--- a/4. UI/Day 32/Slides/6. Data Binding & Pipes/data-binding-and-pipes-slides.pptx
+++ b/4. UI/Day 32/Slides/6. Data Binding & Pipes/data-binding-and-pipes-slides.pptx
@@ -5,33 +5,33 @@
     <p:sldMasterId id="2147483648" r:id="rId1"/>
   </p:sldMasterIdLst>
   <p:notesMasterIdLst>
-    <p:notesMasterId r:id="rId27"/>
+    <p:notesMasterId r:id="rId26"/>
   </p:notesMasterIdLst>
   <p:sldIdLst>
-    <p:sldId id="256" r:id="rId3"/>
-    <p:sldId id="257" r:id="rId4"/>
-    <p:sldId id="258" r:id="rId5"/>
-    <p:sldId id="259" r:id="rId6"/>
-    <p:sldId id="260" r:id="rId7"/>
-    <p:sldId id="261" r:id="rId8"/>
-    <p:sldId id="262" r:id="rId9"/>
-    <p:sldId id="263" r:id="rId10"/>
-    <p:sldId id="264" r:id="rId11"/>
-    <p:sldId id="265" r:id="rId12"/>
-    <p:sldId id="266" r:id="rId13"/>
-    <p:sldId id="267" r:id="rId14"/>
-    <p:sldId id="268" r:id="rId15"/>
-    <p:sldId id="269" r:id="rId16"/>
-    <p:sldId id="270" r:id="rId17"/>
-    <p:sldId id="271" r:id="rId18"/>
-    <p:sldId id="272" r:id="rId19"/>
-    <p:sldId id="273" r:id="rId20"/>
-    <p:sldId id="274" r:id="rId21"/>
-    <p:sldId id="275" r:id="rId22"/>
-    <p:sldId id="276" r:id="rId23"/>
-    <p:sldId id="277" r:id="rId24"/>
-    <p:sldId id="278" r:id="rId25"/>
-    <p:sldId id="279" r:id="rId26"/>
+    <p:sldId id="256" r:id="rId2"/>
+    <p:sldId id="257" r:id="rId3"/>
+    <p:sldId id="258" r:id="rId4"/>
+    <p:sldId id="259" r:id="rId5"/>
+    <p:sldId id="260" r:id="rId6"/>
+    <p:sldId id="261" r:id="rId7"/>
+    <p:sldId id="262" r:id="rId8"/>
+    <p:sldId id="263" r:id="rId9"/>
+    <p:sldId id="264" r:id="rId10"/>
+    <p:sldId id="265" r:id="rId11"/>
+    <p:sldId id="266" r:id="rId12"/>
+    <p:sldId id="267" r:id="rId13"/>
+    <p:sldId id="268" r:id="rId14"/>
+    <p:sldId id="269" r:id="rId15"/>
+    <p:sldId id="270" r:id="rId16"/>
+    <p:sldId id="271" r:id="rId17"/>
+    <p:sldId id="272" r:id="rId18"/>
+    <p:sldId id="273" r:id="rId19"/>
+    <p:sldId id="274" r:id="rId20"/>
+    <p:sldId id="275" r:id="rId21"/>
+    <p:sldId id="276" r:id="rId22"/>
+    <p:sldId id="277" r:id="rId23"/>
+    <p:sldId id="278" r:id="rId24"/>
+    <p:sldId id="279" r:id="rId25"/>
   </p:sldIdLst>
   <p:sldSz cx="18288000" cy="10287000"/>
   <p:notesSz cx="18288000" cy="10287000"/>
@@ -127,6 +127,22 @@
       </a:defRPr>
     </a:lvl9pPr>
   </p:defaultTextStyle>
+  <p:extLst>
+    <p:ext uri="{EFAFB233-063F-42B5-8137-9DF3F51BA10A}">
+      <p15:sldGuideLst xmlns:p15="http://schemas.microsoft.com/office/powerpoint/2012/main">
+        <p15:guide id="1" orient="horz" pos="2880">
+          <p15:clr>
+            <a:srgbClr val="A4A3A4"/>
+          </p15:clr>
+        </p15:guide>
+        <p15:guide id="2" pos="2160">
+          <p15:clr>
+            <a:srgbClr val="A4A3A4"/>
+          </p15:clr>
+        </p15:guide>
+      </p15:sldGuideLst>
+    </p:ext>
+  </p:extLst>
 </p:presentation>
 </file>
 
@@ -212,6 +228,7 @@
           <a:p>
             <a:fld id="{3EFD42F7-718C-4B98-AAEC-167E6DDD60A7}" type="datetimeFigureOut">
               <a:rPr lang="en-US" smtClean="0"/>
+              <a:t>5/4/2023</a:t>
             </a:fld>
             <a:endParaRPr lang="en-US"/>
           </a:p>
@@ -275,42 +292,37 @@
           <a:p>
             <a:pPr lvl="0"/>
             <a:r>
-              <a:rPr lang="en-US" smtClean="0"/>
+              <a:rPr lang="en-US"/>
               <a:t>Click to edit Master text styles</a:t>
             </a:r>
-            <a:endParaRPr lang="en-US" smtClean="0"/>
           </a:p>
           <a:p>
             <a:pPr lvl="1"/>
             <a:r>
-              <a:rPr lang="en-US" smtClean="0"/>
+              <a:rPr lang="en-US"/>
               <a:t>Second level</a:t>
             </a:r>
-            <a:endParaRPr lang="en-US" smtClean="0"/>
           </a:p>
           <a:p>
             <a:pPr lvl="2"/>
             <a:r>
-              <a:rPr lang="en-US" smtClean="0"/>
+              <a:rPr lang="en-US"/>
               <a:t>Third level</a:t>
             </a:r>
-            <a:endParaRPr lang="en-US" smtClean="0"/>
           </a:p>
           <a:p>
             <a:pPr lvl="3"/>
             <a:r>
-              <a:rPr lang="en-US" smtClean="0"/>
+              <a:rPr lang="en-US"/>
               <a:t>Fourth level</a:t>
             </a:r>
-            <a:endParaRPr lang="en-US" smtClean="0"/>
           </a:p>
           <a:p>
             <a:pPr lvl="4"/>
             <a:r>
-              <a:rPr lang="en-US" smtClean="0"/>
+              <a:rPr lang="en-US"/>
               <a:t>Fifth level</a:t>
             </a:r>
-            <a:endParaRPr lang="en-US"/>
           </a:p>
         </p:txBody>
       </p:sp>
@@ -374,6 +386,7 @@
           <a:p>
             <a:fld id="{21B2AA4F-B828-4D7C-AFD3-893933DAFCB4}" type="slidenum">
               <a:rPr lang="en-US" smtClean="0"/>
+              <a:t>‹#›</a:t>
             </a:fld>
             <a:endParaRPr lang="en-US"/>
           </a:p>
@@ -478,7 +491,7 @@
 </file>
 
 <file path=ppt/slideLayouts/slideLayout1.xml><?xml version="1.0" encoding="utf-8"?>
-<p:sldLayout xmlns:a="http://schemas.openxmlformats.org/drawingml/2006/main" xmlns:r="http://schemas.openxmlformats.org/officeDocument/2006/relationships" xmlns:p="http://schemas.openxmlformats.org/presentationml/2006/main" type="obj" preserve="1" showMasterSp="0">
+<p:sldLayout xmlns:a="http://schemas.openxmlformats.org/drawingml/2006/main" xmlns:r="http://schemas.openxmlformats.org/officeDocument/2006/relationships" xmlns:p="http://schemas.openxmlformats.org/presentationml/2006/main" showMasterSp="0" type="obj" preserve="1">
   <p:cSld name="Title Slide">
     <p:bg>
       <p:bgPr>
@@ -556,7 +569,9 @@
               </a:defRPr>
             </a:lvl1pPr>
           </a:lstStyle>
-          <a:p/>
+          <a:p>
+            <a:endParaRPr/>
+          </a:p>
         </p:txBody>
       </p:sp>
       <p:sp>
@@ -587,7 +602,9 @@
               <a:defRPr/>
             </a:lvl1pPr>
           </a:lstStyle>
-          <a:p/>
+          <a:p>
+            <a:endParaRPr/>
+          </a:p>
         </p:txBody>
       </p:sp>
       <p:sp>
@@ -614,7 +631,9 @@
               </a:defRPr>
             </a:lvl1pPr>
           </a:lstStyle>
-          <a:p/>
+          <a:p>
+            <a:endParaRPr/>
+          </a:p>
         </p:txBody>
       </p:sp>
       <p:sp>
@@ -644,6 +663,7 @@
           <a:p>
             <a:fld id="{1D8BD707-D9CF-40AE-B4C6-C98DA3205C09}" type="datetimeFigureOut">
               <a:rPr lang="en-US"/>
+              <a:t>5/4/2023</a:t>
             </a:fld>
             <a:endParaRPr lang="en-US"/>
           </a:p>
@@ -676,6 +696,7 @@
           <a:p>
             <a:fld id="{B6F15528-21DE-4FAA-801E-634DDDAF4B2B}" type="slidenum">
               <a:rPr/>
+              <a:t>‹#›</a:t>
             </a:fld>
             <a:endParaRPr/>
           </a:p>
@@ -731,7 +752,9 @@
               </a:defRPr>
             </a:lvl1pPr>
           </a:lstStyle>
-          <a:p/>
+          <a:p>
+            <a:endParaRPr/>
+          </a:p>
         </p:txBody>
       </p:sp>
       <p:sp>
@@ -758,7 +781,9 @@
               </a:defRPr>
             </a:lvl1pPr>
           </a:lstStyle>
-          <a:p/>
+          <a:p>
+            <a:endParaRPr/>
+          </a:p>
         </p:txBody>
       </p:sp>
       <p:sp>
@@ -785,7 +810,9 @@
               </a:defRPr>
             </a:lvl1pPr>
           </a:lstStyle>
-          <a:p/>
+          <a:p>
+            <a:endParaRPr/>
+          </a:p>
         </p:txBody>
       </p:sp>
       <p:sp>
@@ -815,6 +842,7 @@
           <a:p>
             <a:fld id="{1D8BD707-D9CF-40AE-B4C6-C98DA3205C09}" type="datetimeFigureOut">
               <a:rPr lang="en-US"/>
+              <a:t>5/4/2023</a:t>
             </a:fld>
             <a:endParaRPr lang="en-US"/>
           </a:p>
@@ -847,6 +875,7 @@
           <a:p>
             <a:fld id="{B6F15528-21DE-4FAA-801E-634DDDAF4B2B}" type="slidenum">
               <a:rPr/>
+              <a:t>‹#›</a:t>
             </a:fld>
             <a:endParaRPr/>
           </a:p>
@@ -902,7 +931,9 @@
               </a:defRPr>
             </a:lvl1pPr>
           </a:lstStyle>
-          <a:p/>
+          <a:p>
+            <a:endParaRPr/>
+          </a:p>
         </p:txBody>
       </p:sp>
       <p:sp>
@@ -933,7 +964,9 @@
               <a:defRPr/>
             </a:lvl1pPr>
           </a:lstStyle>
-          <a:p/>
+          <a:p>
+            <a:endParaRPr/>
+          </a:p>
         </p:txBody>
       </p:sp>
       <p:sp>
@@ -964,7 +997,9 @@
               <a:defRPr/>
             </a:lvl1pPr>
           </a:lstStyle>
-          <a:p/>
+          <a:p>
+            <a:endParaRPr/>
+          </a:p>
         </p:txBody>
       </p:sp>
       <p:sp>
@@ -991,7 +1026,9 @@
               </a:defRPr>
             </a:lvl1pPr>
           </a:lstStyle>
-          <a:p/>
+          <a:p>
+            <a:endParaRPr/>
+          </a:p>
         </p:txBody>
       </p:sp>
       <p:sp>
@@ -1021,6 +1058,7 @@
           <a:p>
             <a:fld id="{1D8BD707-D9CF-40AE-B4C6-C98DA3205C09}" type="datetimeFigureOut">
               <a:rPr lang="en-US"/>
+              <a:t>5/4/2023</a:t>
             </a:fld>
             <a:endParaRPr lang="en-US"/>
           </a:p>
@@ -1053,6 +1091,7 @@
           <a:p>
             <a:fld id="{B6F15528-21DE-4FAA-801E-634DDDAF4B2B}" type="slidenum">
               <a:rPr/>
+              <a:t>‹#›</a:t>
             </a:fld>
             <a:endParaRPr/>
           </a:p>
@@ -1108,7 +1147,9 @@
               </a:defRPr>
             </a:lvl1pPr>
           </a:lstStyle>
-          <a:p/>
+          <a:p>
+            <a:endParaRPr/>
+          </a:p>
         </p:txBody>
       </p:sp>
       <p:sp>
@@ -1135,7 +1176,9 @@
               </a:defRPr>
             </a:lvl1pPr>
           </a:lstStyle>
-          <a:p/>
+          <a:p>
+            <a:endParaRPr/>
+          </a:p>
         </p:txBody>
       </p:sp>
       <p:sp>
@@ -1165,6 +1208,7 @@
           <a:p>
             <a:fld id="{1D8BD707-D9CF-40AE-B4C6-C98DA3205C09}" type="datetimeFigureOut">
               <a:rPr lang="en-US"/>
+              <a:t>5/4/2023</a:t>
             </a:fld>
             <a:endParaRPr lang="en-US"/>
           </a:p>
@@ -1197,6 +1241,7 @@
           <a:p>
             <a:fld id="{B6F15528-21DE-4FAA-801E-634DDDAF4B2B}" type="slidenum">
               <a:rPr/>
+              <a:t>‹#›</a:t>
             </a:fld>
             <a:endParaRPr/>
           </a:p>
@@ -1252,7 +1297,9 @@
               </a:defRPr>
             </a:lvl1pPr>
           </a:lstStyle>
-          <a:p/>
+          <a:p>
+            <a:endParaRPr/>
+          </a:p>
         </p:txBody>
       </p:sp>
       <p:sp>
@@ -1282,6 +1329,7 @@
           <a:p>
             <a:fld id="{1D8BD707-D9CF-40AE-B4C6-C98DA3205C09}" type="datetimeFigureOut">
               <a:rPr lang="en-US"/>
+              <a:t>5/4/2023</a:t>
             </a:fld>
             <a:endParaRPr lang="en-US"/>
           </a:p>
@@ -1314,6 +1362,7 @@
           <a:p>
             <a:fld id="{B6F15528-21DE-4FAA-801E-634DDDAF4B2B}" type="slidenum">
               <a:rPr/>
+              <a:t>‹#›</a:t>
             </a:fld>
             <a:endParaRPr/>
           </a:p>
@@ -1387,7 +1436,9 @@
               </a:defRPr>
             </a:lvl1pPr>
           </a:lstStyle>
-          <a:p/>
+          <a:p>
+            <a:endParaRPr/>
+          </a:p>
         </p:txBody>
       </p:sp>
       <p:sp>
@@ -1424,7 +1475,9 @@
               </a:defRPr>
             </a:lvl1pPr>
           </a:lstStyle>
-          <a:p/>
+          <a:p>
+            <a:endParaRPr/>
+          </a:p>
         </p:txBody>
       </p:sp>
       <p:sp>
@@ -1461,7 +1514,9 @@
               </a:defRPr>
             </a:lvl1pPr>
           </a:lstStyle>
-          <a:p/>
+          <a:p>
+            <a:endParaRPr/>
+          </a:p>
         </p:txBody>
       </p:sp>
       <p:sp>
@@ -1501,6 +1556,7 @@
           <a:p>
             <a:fld id="{1D8BD707-D9CF-40AE-B4C6-C98DA3205C09}" type="datetimeFigureOut">
               <a:rPr lang="en-US"/>
+              <a:t>5/4/2023</a:t>
             </a:fld>
             <a:endParaRPr lang="en-US"/>
           </a:p>
@@ -1543,6 +1599,7 @@
           <a:p>
             <a:fld id="{B6F15528-21DE-4FAA-801E-634DDDAF4B2B}" type="slidenum">
               <a:rPr/>
+              <a:t>‹#›</a:t>
             </a:fld>
             <a:endParaRPr/>
           </a:p>
@@ -1727,7 +1784,7 @@
           <p:nvPr/>
         </p:nvPicPr>
         <p:blipFill>
-          <a:blip r:embed="rId1" cstate="print"/>
+          <a:blip r:embed="rId2" cstate="print"/>
           <a:stretch>
             <a:fillRect/>
           </a:stretch>
@@ -1907,9 +1964,11 @@
         <p:spPr/>
         <p:txBody>
           <a:bodyPr/>
+          <a:lstStyle/>
           <a:p>
             <a:fld id="{B6F15528-21DE-4FAA-801E-634DDDAF4B2B}" type="slidenum">
               <a:rPr/>
+              <a:t>1</a:t>
             </a:fld>
             <a:endParaRPr/>
           </a:p>
@@ -1981,7 +2040,6 @@
               <a:rPr spc="40" dirty="0"/>
               <a:t>Binding</a:t>
             </a:r>
-            <a:endParaRPr spc="40" dirty="0"/>
           </a:p>
         </p:txBody>
       </p:sp>
@@ -2153,6 +2211,7 @@
         <p:spPr/>
         <p:txBody>
           <a:bodyPr/>
+          <a:lstStyle/>
           <a:p>
             <a:endParaRPr lang="en-US"/>
           </a:p>
@@ -2287,7 +2346,7 @@
             <p:nvPr/>
           </p:nvPicPr>
           <p:blipFill>
-            <a:blip r:embed="rId1" cstate="print"/>
+            <a:blip r:embed="rId3" cstate="print"/>
             <a:stretch>
               <a:fillRect/>
             </a:stretch>
@@ -2309,7 +2368,7 @@
             <p:nvPr/>
           </p:nvPicPr>
           <p:blipFill>
-            <a:blip r:embed="rId2" cstate="print"/>
+            <a:blip r:embed="rId4" cstate="print"/>
             <a:stretch>
               <a:fillRect/>
             </a:stretch>
@@ -2371,7 +2430,9 @@
           <p:txBody>
             <a:bodyPr wrap="square" lIns="0" tIns="0" rIns="0" bIns="0" rtlCol="0"/>
             <a:lstStyle/>
-            <a:p/>
+            <a:p>
+              <a:endParaRPr/>
+            </a:p>
           </p:txBody>
         </p:sp>
       </p:grpSp>
@@ -2396,7 +2457,7 @@
             <p:nvPr/>
           </p:nvPicPr>
           <p:blipFill>
-            <a:blip r:embed="rId3" cstate="print"/>
+            <a:blip r:embed="rId5" cstate="print"/>
             <a:stretch>
               <a:fillRect/>
             </a:stretch>
@@ -2458,7 +2519,9 @@
           <p:txBody>
             <a:bodyPr wrap="square" lIns="0" tIns="0" rIns="0" bIns="0" rtlCol="0"/>
             <a:lstStyle/>
-            <a:p/>
+            <a:p>
+              <a:endParaRPr/>
+            </a:p>
           </p:txBody>
         </p:sp>
       </p:grpSp>
@@ -2811,9 +2874,11 @@
         <p:spPr/>
         <p:txBody>
           <a:bodyPr/>
+          <a:lstStyle/>
           <a:p>
             <a:fld id="{B6F15528-21DE-4FAA-801E-634DDDAF4B2B}" type="slidenum">
               <a:rPr/>
+              <a:t>10</a:t>
             </a:fld>
             <a:endParaRPr/>
           </a:p>
@@ -2822,7 +2887,9 @@
       <p:graphicFrame>
         <p:nvGraphicFramePr>
           <p:cNvPr id="15" name="Content Placeholder 14"/>
-          <p:cNvGraphicFramePr/>
+          <p:cNvGraphicFramePr>
+            <a:graphicFrameLocks noGrp="1"/>
+          </p:cNvGraphicFramePr>
           <p:nvPr>
             <p:ph sz="half" idx="2"/>
           </p:nvPr>
@@ -2835,12 +2902,12 @@
           <a:graphicData uri="http://schemas.openxmlformats.org/presentationml/2006/ole">
             <mc:AlternateContent xmlns:mc="http://schemas.openxmlformats.org/markup-compatibility/2006">
               <mc:Choice xmlns:v="urn:schemas-microsoft-com:vml" Requires="v">
-                <p:oleObj spid="_x0000_s16" name="" r:id="rId4" imgW="3524250" imgH="1457325" progId="Paint.Picture">
+                <p:oleObj spid="_x0000_s1026" r:id="rId6" imgW="3524250" imgH="1457325" progId="Paint.Picture">
                   <p:embed/>
                 </p:oleObj>
               </mc:Choice>
               <mc:Fallback>
-                <p:oleObj name="" r:id="rId4" imgW="3524250" imgH="1457325" progId="Paint.Picture">
+                <p:oleObj r:id="rId6" imgW="3524250" imgH="1457325" progId="Paint.Picture">
                   <p:embed/>
                   <p:pic>
                     <p:nvPicPr>
@@ -2849,7 +2916,7 @@
                       <p:nvPr/>
                     </p:nvPicPr>
                     <p:blipFill>
-                      <a:blip r:embed="rId5"/>
+                      <a:blip r:embed="rId7"/>
                       <a:stretch>
                         <a:fillRect/>
                       </a:stretch>
@@ -2940,7 +3007,6 @@
               <a:rPr spc="40" dirty="0"/>
               <a:t>Binding</a:t>
             </a:r>
-            <a:endParaRPr spc="40" dirty="0"/>
           </a:p>
         </p:txBody>
       </p:sp>
@@ -3586,9 +3652,11 @@
         <p:spPr/>
         <p:txBody>
           <a:bodyPr/>
+          <a:lstStyle/>
           <a:p>
             <a:fld id="{B6F15528-21DE-4FAA-801E-634DDDAF4B2B}" type="slidenum">
               <a:rPr/>
+              <a:t>11</a:t>
             </a:fld>
             <a:endParaRPr/>
           </a:p>
@@ -3664,7 +3732,6 @@
               <a:rPr spc="40" dirty="0"/>
               <a:t>Binding</a:t>
             </a:r>
-            <a:endParaRPr spc="40" dirty="0"/>
           </a:p>
         </p:txBody>
       </p:sp>
@@ -4320,9 +4387,11 @@
         <p:spPr/>
         <p:txBody>
           <a:bodyPr/>
+          <a:lstStyle/>
           <a:p>
             <a:fld id="{B6F15528-21DE-4FAA-801E-634DDDAF4B2B}" type="slidenum">
               <a:rPr/>
+              <a:t>12</a:t>
             </a:fld>
             <a:endParaRPr/>
           </a:p>
@@ -4398,7 +4467,6 @@
               <a:rPr spc="40" dirty="0"/>
               <a:t>Binding</a:t>
             </a:r>
-            <a:endParaRPr spc="40" dirty="0"/>
           </a:p>
         </p:txBody>
       </p:sp>
@@ -4712,7 +4780,9 @@
         <p:txBody>
           <a:bodyPr wrap="square" lIns="0" tIns="0" rIns="0" bIns="0" rtlCol="0"/>
           <a:lstStyle/>
-          <a:p/>
+          <a:p>
+            <a:endParaRPr/>
+          </a:p>
         </p:txBody>
       </p:sp>
       <p:sp>
@@ -5240,7 +5310,9 @@
           <p:txBody>
             <a:bodyPr wrap="square" lIns="0" tIns="0" rIns="0" bIns="0" rtlCol="0"/>
             <a:lstStyle/>
-            <a:p/>
+            <a:p>
+              <a:endParaRPr/>
+            </a:p>
           </p:txBody>
         </p:sp>
         <p:sp>
@@ -5431,7 +5503,9 @@
           <p:txBody>
             <a:bodyPr wrap="square" lIns="0" tIns="0" rIns="0" bIns="0" rtlCol="0"/>
             <a:lstStyle/>
-            <a:p/>
+            <a:p>
+              <a:endParaRPr/>
+            </a:p>
           </p:txBody>
         </p:sp>
       </p:grpSp>
@@ -5578,9 +5652,11 @@
         <p:spPr/>
         <p:txBody>
           <a:bodyPr/>
+          <a:lstStyle/>
           <a:p>
             <a:fld id="{B6F15528-21DE-4FAA-801E-634DDDAF4B2B}" type="slidenum">
               <a:rPr/>
+              <a:t>13</a:t>
             </a:fld>
             <a:endParaRPr/>
           </a:p>
@@ -5630,8 +5706,20 @@
                 <a:tableStyleId>{2D5ABB26-0587-4C30-8999-92F81FD0307C}</a:tableStyleId>
               </a:tblPr>
               <a:tblGrid>
-                <a:gridCol w="1562735"/>
-                <a:gridCol w="1562735"/>
+                <a:gridCol w="1562735">
+                  <a:extLst>
+                    <a:ext uri="{9D8B030D-6E8A-4147-A177-3AD203B41FA5}">
+                      <a16:colId xmlns:a16="http://schemas.microsoft.com/office/drawing/2014/main" val="20000"/>
+                    </a:ext>
+                  </a:extLst>
+                </a:gridCol>
+                <a:gridCol w="1562735">
+                  <a:extLst>
+                    <a:ext uri="{9D8B030D-6E8A-4147-A177-3AD203B41FA5}">
+                      <a16:colId xmlns:a16="http://schemas.microsoft.com/office/drawing/2014/main" val="20001"/>
+                    </a:ext>
+                  </a:extLst>
+                </a:gridCol>
               </a:tblGrid>
               <a:tr h="877824">
                 <a:tc gridSpan="2">
@@ -5694,8 +5782,20 @@
                   </a:tcPr>
                 </a:tc>
                 <a:tc hMerge="1">
+                  <a:txBody>
+                    <a:bodyPr/>
+                    <a:lstStyle/>
+                    <a:p>
+                      <a:endParaRPr lang="en-US"/>
+                    </a:p>
+                  </a:txBody>
                   <a:tcPr marL="0" marR="0" marT="0" marB="0"/>
                 </a:tc>
+                <a:extLst>
+                  <a:ext uri="{0D108BD9-81ED-4DB2-BD59-A6C34878D82A}">
+                    <a16:rowId xmlns:a16="http://schemas.microsoft.com/office/drawing/2014/main" val="10000"/>
+                  </a:ext>
+                </a:extLst>
               </a:tr>
               <a:tr h="337698">
                 <a:tc>
@@ -5772,6 +5872,11 @@
                     </a:lnB>
                   </a:tcPr>
                 </a:tc>
+                <a:extLst>
+                  <a:ext uri="{0D108BD9-81ED-4DB2-BD59-A6C34878D82A}">
+                    <a16:rowId xmlns:a16="http://schemas.microsoft.com/office/drawing/2014/main" val="10001"/>
+                  </a:ext>
+                </a:extLst>
               </a:tr>
               <a:tr h="877824">
                 <a:tc gridSpan="2">
@@ -5874,8 +5979,20 @@
                   </a:tcPr>
                 </a:tc>
                 <a:tc hMerge="1">
+                  <a:txBody>
+                    <a:bodyPr/>
+                    <a:lstStyle/>
+                    <a:p>
+                      <a:endParaRPr lang="en-US"/>
+                    </a:p>
+                  </a:txBody>
                   <a:tcPr marL="0" marR="0" marT="0" marB="0"/>
                 </a:tc>
+                <a:extLst>
+                  <a:ext uri="{0D108BD9-81ED-4DB2-BD59-A6C34878D82A}">
+                    <a16:rowId xmlns:a16="http://schemas.microsoft.com/office/drawing/2014/main" val="10002"/>
+                  </a:ext>
+                </a:extLst>
               </a:tr>
             </a:tbl>
           </a:graphicData>
@@ -7123,7 +7240,9 @@
         <p:txBody>
           <a:bodyPr wrap="square" lIns="0" tIns="0" rIns="0" bIns="0" rtlCol="0"/>
           <a:lstStyle/>
-          <a:p/>
+          <a:p>
+            <a:endParaRPr/>
+          </a:p>
         </p:txBody>
       </p:sp>
       <p:sp>
@@ -7660,7 +7779,9 @@
         <p:txBody>
           <a:bodyPr wrap="square" lIns="0" tIns="0" rIns="0" bIns="0" rtlCol="0"/>
           <a:lstStyle/>
-          <a:p/>
+          <a:p>
+            <a:endParaRPr/>
+          </a:p>
         </p:txBody>
       </p:sp>
       <p:sp>
@@ -8245,7 +8366,9 @@
         <p:txBody>
           <a:bodyPr wrap="square" lIns="0" tIns="0" rIns="0" bIns="0" rtlCol="0"/>
           <a:lstStyle/>
-          <a:p/>
+          <a:p>
+            <a:endParaRPr/>
+          </a:p>
         </p:txBody>
       </p:sp>
       <p:sp>
@@ -8477,17 +8600,7 @@
                 <a:latin typeface="Arial" panose="020B0604020202020204"/>
                 <a:cs typeface="Arial" panose="020B0604020202020204"/>
               </a:rPr>
-              <a:t>a</a:t>
-            </a:r>
-            <a:r>
-              <a:rPr sz="2400" b="1" spc="-25" dirty="0">
-                <a:solidFill>
-                  <a:srgbClr val="2A9FBC"/>
-                </a:solidFill>
-                <a:latin typeface="Arial" panose="020B0604020202020204"/>
-                <a:cs typeface="Arial" panose="020B0604020202020204"/>
-              </a:rPr>
-              <a:t>r</a:t>
+              <a:t>ar</a:t>
             </a:r>
             <a:r>
               <a:rPr sz="2400" b="1" spc="-70" dirty="0">
@@ -8603,7 +8716,9 @@
         <p:txBody>
           <a:bodyPr wrap="square" lIns="0" tIns="0" rIns="0" bIns="0" rtlCol="0"/>
           <a:lstStyle/>
-          <a:p/>
+          <a:p>
+            <a:endParaRPr/>
+          </a:p>
         </p:txBody>
       </p:sp>
       <p:sp>
@@ -8643,7 +8758,9 @@
         <p:txBody>
           <a:bodyPr wrap="square" lIns="0" tIns="0" rIns="0" bIns="0" rtlCol="0"/>
           <a:lstStyle/>
-          <a:p/>
+          <a:p>
+            <a:endParaRPr/>
+          </a:p>
         </p:txBody>
       </p:sp>
       <p:sp>
@@ -8683,7 +8800,9 @@
         <p:txBody>
           <a:bodyPr wrap="square" lIns="0" tIns="0" rIns="0" bIns="0" rtlCol="0"/>
           <a:lstStyle/>
-          <a:p/>
+          <a:p>
+            <a:endParaRPr/>
+          </a:p>
         </p:txBody>
       </p:sp>
       <p:sp>
@@ -8723,7 +8842,9 @@
         <p:txBody>
           <a:bodyPr wrap="square" lIns="0" tIns="0" rIns="0" bIns="0" rtlCol="0"/>
           <a:lstStyle/>
-          <a:p/>
+          <a:p>
+            <a:endParaRPr/>
+          </a:p>
         </p:txBody>
       </p:sp>
       <p:sp>
@@ -8739,9 +8860,11 @@
         <p:spPr/>
         <p:txBody>
           <a:bodyPr/>
+          <a:lstStyle/>
           <a:p>
             <a:fld id="{B6F15528-21DE-4FAA-801E-634DDDAF4B2B}" type="slidenum">
               <a:rPr/>
+              <a:t>14</a:t>
             </a:fld>
             <a:endParaRPr/>
           </a:p>
@@ -8791,8 +8914,20 @@
                 <a:tableStyleId>{2D5ABB26-0587-4C30-8999-92F81FD0307C}</a:tableStyleId>
               </a:tblPr>
               <a:tblGrid>
-                <a:gridCol w="1562735"/>
-                <a:gridCol w="1562735"/>
+                <a:gridCol w="1562735">
+                  <a:extLst>
+                    <a:ext uri="{9D8B030D-6E8A-4147-A177-3AD203B41FA5}">
+                      <a16:colId xmlns:a16="http://schemas.microsoft.com/office/drawing/2014/main" val="20000"/>
+                    </a:ext>
+                  </a:extLst>
+                </a:gridCol>
+                <a:gridCol w="1562735">
+                  <a:extLst>
+                    <a:ext uri="{9D8B030D-6E8A-4147-A177-3AD203B41FA5}">
+                      <a16:colId xmlns:a16="http://schemas.microsoft.com/office/drawing/2014/main" val="20001"/>
+                    </a:ext>
+                  </a:extLst>
+                </a:gridCol>
               </a:tblGrid>
               <a:tr h="877824">
                 <a:tc gridSpan="2">
@@ -8855,8 +8990,20 @@
                   </a:tcPr>
                 </a:tc>
                 <a:tc hMerge="1">
+                  <a:txBody>
+                    <a:bodyPr/>
+                    <a:lstStyle/>
+                    <a:p>
+                      <a:endParaRPr lang="en-US"/>
+                    </a:p>
+                  </a:txBody>
                   <a:tcPr marL="0" marR="0" marT="0" marB="0"/>
                 </a:tc>
+                <a:extLst>
+                  <a:ext uri="{0D108BD9-81ED-4DB2-BD59-A6C34878D82A}">
+                    <a16:rowId xmlns:a16="http://schemas.microsoft.com/office/drawing/2014/main" val="10000"/>
+                  </a:ext>
+                </a:extLst>
               </a:tr>
               <a:tr h="337698">
                 <a:tc>
@@ -8933,6 +9080,11 @@
                     </a:lnB>
                   </a:tcPr>
                 </a:tc>
+                <a:extLst>
+                  <a:ext uri="{0D108BD9-81ED-4DB2-BD59-A6C34878D82A}">
+                    <a16:rowId xmlns:a16="http://schemas.microsoft.com/office/drawing/2014/main" val="10001"/>
+                  </a:ext>
+                </a:extLst>
               </a:tr>
               <a:tr h="877824">
                 <a:tc gridSpan="2">
@@ -9035,8 +9187,20 @@
                   </a:tcPr>
                 </a:tc>
                 <a:tc hMerge="1">
+                  <a:txBody>
+                    <a:bodyPr/>
+                    <a:lstStyle/>
+                    <a:p>
+                      <a:endParaRPr lang="en-US"/>
+                    </a:p>
+                  </a:txBody>
                   <a:tcPr marL="0" marR="0" marT="0" marB="0"/>
                 </a:tc>
+                <a:extLst>
+                  <a:ext uri="{0D108BD9-81ED-4DB2-BD59-A6C34878D82A}">
+                    <a16:rowId xmlns:a16="http://schemas.microsoft.com/office/drawing/2014/main" val="10002"/>
+                  </a:ext>
+                </a:extLst>
               </a:tr>
             </a:tbl>
           </a:graphicData>
@@ -10284,7 +10448,9 @@
         <p:txBody>
           <a:bodyPr wrap="square" lIns="0" tIns="0" rIns="0" bIns="0" rtlCol="0"/>
           <a:lstStyle/>
-          <a:p/>
+          <a:p>
+            <a:endParaRPr/>
+          </a:p>
         </p:txBody>
       </p:sp>
       <p:sp>
@@ -10821,7 +10987,9 @@
         <p:txBody>
           <a:bodyPr wrap="square" lIns="0" tIns="0" rIns="0" bIns="0" rtlCol="0"/>
           <a:lstStyle/>
-          <a:p/>
+          <a:p>
+            <a:endParaRPr/>
+          </a:p>
         </p:txBody>
       </p:sp>
       <p:sp>
@@ -11406,7 +11574,9 @@
         <p:txBody>
           <a:bodyPr wrap="square" lIns="0" tIns="0" rIns="0" bIns="0" rtlCol="0"/>
           <a:lstStyle/>
-          <a:p/>
+          <a:p>
+            <a:endParaRPr/>
+          </a:p>
         </p:txBody>
       </p:sp>
       <p:sp>
@@ -11615,7 +11785,9 @@
         <p:txBody>
           <a:bodyPr wrap="square" lIns="0" tIns="0" rIns="0" bIns="0" rtlCol="0"/>
           <a:lstStyle/>
-          <a:p/>
+          <a:p>
+            <a:endParaRPr/>
+          </a:p>
         </p:txBody>
       </p:sp>
       <p:sp>
@@ -11735,17 +11907,7 @@
                 <a:latin typeface="Arial" panose="020B0604020202020204"/>
                 <a:cs typeface="Arial" panose="020B0604020202020204"/>
               </a:rPr>
-              <a:t>a</a:t>
-            </a:r>
-            <a:r>
-              <a:rPr sz="2400" b="1" spc="-25" dirty="0">
-                <a:solidFill>
-                  <a:srgbClr val="2A9FBC"/>
-                </a:solidFill>
-                <a:latin typeface="Arial" panose="020B0604020202020204"/>
-                <a:cs typeface="Arial" panose="020B0604020202020204"/>
-              </a:rPr>
-              <a:t>r</a:t>
+              <a:t>ar</a:t>
             </a:r>
             <a:r>
               <a:rPr sz="2400" b="1" spc="-70" dirty="0">
@@ -11861,7 +12023,9 @@
         <p:txBody>
           <a:bodyPr wrap="square" lIns="0" tIns="0" rIns="0" bIns="0" rtlCol="0"/>
           <a:lstStyle/>
-          <a:p/>
+          <a:p>
+            <a:endParaRPr/>
+          </a:p>
         </p:txBody>
       </p:sp>
       <p:sp>
@@ -11901,7 +12065,9 @@
         <p:txBody>
           <a:bodyPr wrap="square" lIns="0" tIns="0" rIns="0" bIns="0" rtlCol="0"/>
           <a:lstStyle/>
-          <a:p/>
+          <a:p>
+            <a:endParaRPr/>
+          </a:p>
         </p:txBody>
       </p:sp>
       <p:sp>
@@ -11941,7 +12107,9 @@
         <p:txBody>
           <a:bodyPr wrap="square" lIns="0" tIns="0" rIns="0" bIns="0" rtlCol="0"/>
           <a:lstStyle/>
-          <a:p/>
+          <a:p>
+            <a:endParaRPr/>
+          </a:p>
         </p:txBody>
       </p:sp>
       <p:sp>
@@ -11981,7 +12149,9 @@
         <p:txBody>
           <a:bodyPr wrap="square" lIns="0" tIns="0" rIns="0" bIns="0" rtlCol="0"/>
           <a:lstStyle/>
-          <a:p/>
+          <a:p>
+            <a:endParaRPr/>
+          </a:p>
         </p:txBody>
       </p:sp>
       <p:sp>
@@ -11997,9 +12167,11 @@
         <p:spPr/>
         <p:txBody>
           <a:bodyPr/>
+          <a:lstStyle/>
           <a:p>
             <a:fld id="{B6F15528-21DE-4FAA-801E-634DDDAF4B2B}" type="slidenum">
               <a:rPr/>
+              <a:t>15</a:t>
             </a:fld>
             <a:endParaRPr/>
           </a:p>
@@ -12091,7 +12263,6 @@
               <a:rPr spc="45" dirty="0"/>
               <a:t>Binding</a:t>
             </a:r>
-            <a:endParaRPr spc="45" dirty="0"/>
           </a:p>
         </p:txBody>
       </p:sp>
@@ -12250,7 +12421,9 @@
         <p:txBody>
           <a:bodyPr wrap="square" lIns="0" tIns="0" rIns="0" bIns="0" rtlCol="0"/>
           <a:lstStyle/>
-          <a:p/>
+          <a:p>
+            <a:endParaRPr/>
+          </a:p>
         </p:txBody>
       </p:sp>
       <p:sp>
@@ -13164,7 +13337,9 @@
         <p:txBody>
           <a:bodyPr wrap="square" lIns="0" tIns="0" rIns="0" bIns="0" rtlCol="0"/>
           <a:lstStyle/>
-          <a:p/>
+          <a:p>
+            <a:endParaRPr/>
+          </a:p>
         </p:txBody>
       </p:sp>
       <p:sp>
@@ -13990,9 +14165,11 @@
         <p:spPr/>
         <p:txBody>
           <a:bodyPr/>
+          <a:lstStyle/>
           <a:p>
             <a:fld id="{B6F15528-21DE-4FAA-801E-634DDDAF4B2B}" type="slidenum">
               <a:rPr/>
+              <a:t>16</a:t>
             </a:fld>
             <a:endParaRPr/>
           </a:p>
@@ -14060,7 +14237,9 @@
         <p:txBody>
           <a:bodyPr wrap="square" lIns="0" tIns="0" rIns="0" bIns="0" rtlCol="0"/>
           <a:lstStyle/>
-          <a:p/>
+          <a:p>
+            <a:endParaRPr/>
+          </a:p>
         </p:txBody>
       </p:sp>
       <p:sp>
@@ -14100,7 +14279,9 @@
         <p:txBody>
           <a:bodyPr wrap="square" lIns="0" tIns="0" rIns="0" bIns="0" rtlCol="0"/>
           <a:lstStyle/>
-          <a:p/>
+          <a:p>
+            <a:endParaRPr/>
+          </a:p>
         </p:txBody>
       </p:sp>
       <p:sp>
@@ -14140,7 +14321,9 @@
         <p:txBody>
           <a:bodyPr wrap="square" lIns="0" tIns="0" rIns="0" bIns="0" rtlCol="0"/>
           <a:lstStyle/>
-          <a:p/>
+          <a:p>
+            <a:endParaRPr/>
+          </a:p>
         </p:txBody>
       </p:sp>
       <p:sp>
@@ -14204,7 +14387,6 @@
               <a:rPr spc="-95" dirty="0"/>
               <a:t>Pipes</a:t>
             </a:r>
-            <a:endParaRPr spc="-95" dirty="0"/>
           </a:p>
         </p:txBody>
       </p:sp>
@@ -14613,7 +14795,7 @@
           <p:nvPr/>
         </p:nvPicPr>
         <p:blipFill>
-          <a:blip r:embed="rId1" cstate="print"/>
+          <a:blip r:embed="rId2" cstate="print"/>
           <a:stretch>
             <a:fillRect/>
           </a:stretch>
@@ -14635,7 +14817,7 @@
           <p:nvPr/>
         </p:nvPicPr>
         <p:blipFill>
-          <a:blip r:embed="rId2" cstate="print"/>
+          <a:blip r:embed="rId3" cstate="print"/>
           <a:stretch>
             <a:fillRect/>
           </a:stretch>
@@ -14657,7 +14839,7 @@
           <p:nvPr/>
         </p:nvPicPr>
         <p:blipFill>
-          <a:blip r:embed="rId3" cstate="print"/>
+          <a:blip r:embed="rId4" cstate="print"/>
           <a:stretch>
             <a:fillRect/>
           </a:stretch>
@@ -14685,9 +14867,11 @@
         <p:spPr/>
         <p:txBody>
           <a:bodyPr/>
+          <a:lstStyle/>
           <a:p>
             <a:fld id="{B6F15528-21DE-4FAA-801E-634DDDAF4B2B}" type="slidenum">
               <a:rPr/>
+              <a:t>17</a:t>
             </a:fld>
             <a:endParaRPr/>
           </a:p>
@@ -14763,7 +14947,6 @@
               <a:rPr spc="-105" dirty="0"/>
               <a:t>Examples</a:t>
             </a:r>
-            <a:endParaRPr spc="-105" dirty="0"/>
           </a:p>
         </p:txBody>
       </p:sp>
@@ -15343,9 +15526,11 @@
         <p:spPr/>
         <p:txBody>
           <a:bodyPr/>
+          <a:lstStyle/>
           <a:p>
             <a:fld id="{B6F15528-21DE-4FAA-801E-634DDDAF4B2B}" type="slidenum">
               <a:rPr/>
+              <a:t>18</a:t>
             </a:fld>
             <a:endParaRPr/>
           </a:p>
@@ -15421,7 +15606,6 @@
               <a:rPr spc="45" dirty="0"/>
               <a:t>Binding</a:t>
             </a:r>
-            <a:endParaRPr spc="45" dirty="0"/>
           </a:p>
         </p:txBody>
       </p:sp>
@@ -15472,7 +15656,9 @@
         <p:txBody>
           <a:bodyPr wrap="square" lIns="0" tIns="0" rIns="0" bIns="0" rtlCol="0"/>
           <a:lstStyle/>
-          <a:p/>
+          <a:p>
+            <a:endParaRPr/>
+          </a:p>
         </p:txBody>
       </p:sp>
       <p:sp>
@@ -16938,7 +17124,9 @@
         <p:txBody>
           <a:bodyPr wrap="square" lIns="0" tIns="0" rIns="0" bIns="0" rtlCol="0"/>
           <a:lstStyle/>
-          <a:p/>
+          <a:p>
+            <a:endParaRPr/>
+          </a:p>
         </p:txBody>
       </p:sp>
       <p:sp>
@@ -17289,9 +17477,11 @@
         <p:spPr/>
         <p:txBody>
           <a:bodyPr/>
+          <a:lstStyle/>
           <a:p>
             <a:fld id="{B6F15528-21DE-4FAA-801E-634DDDAF4B2B}" type="slidenum">
               <a:rPr/>
+              <a:t>19</a:t>
             </a:fld>
             <a:endParaRPr/>
           </a:p>
@@ -17367,7 +17557,9 @@
         <p:txBody>
           <a:bodyPr wrap="square" lIns="0" tIns="0" rIns="0" bIns="0" rtlCol="0"/>
           <a:lstStyle/>
-          <a:p/>
+          <a:p>
+            <a:endParaRPr/>
+          </a:p>
         </p:txBody>
       </p:sp>
       <p:pic>
@@ -17377,7 +17569,7 @@
           <p:nvPr/>
         </p:nvPicPr>
         <p:blipFill>
-          <a:blip r:embed="rId1" cstate="print"/>
+          <a:blip r:embed="rId2" cstate="print"/>
           <a:stretch>
             <a:fillRect/>
           </a:stretch>
@@ -17485,17 +17677,7 @@
                 <a:latin typeface="Arial" panose="020B0604020202020204"/>
                 <a:cs typeface="Arial" panose="020B0604020202020204"/>
               </a:rPr>
-              <a:t>EN</a:t>
-            </a:r>
-            <a:r>
-              <a:rPr sz="3000" b="1" spc="-40" dirty="0">
-                <a:solidFill>
-                  <a:srgbClr val="FFFFFF"/>
-                </a:solidFill>
-                <a:latin typeface="Arial" panose="020B0604020202020204"/>
-                <a:cs typeface="Arial" panose="020B0604020202020204"/>
-              </a:rPr>
-              <a:t>T</a:t>
+              <a:t>ENT</a:t>
             </a:r>
             <a:r>
               <a:rPr sz="3000" b="1" spc="-200" dirty="0">
@@ -17629,9 +17811,11 @@
         <p:spPr/>
         <p:txBody>
           <a:bodyPr/>
+          <a:lstStyle/>
           <a:p>
             <a:fld id="{B6F15528-21DE-4FAA-801E-634DDDAF4B2B}" type="slidenum">
               <a:rPr/>
+              <a:t>2</a:t>
             </a:fld>
             <a:endParaRPr/>
           </a:p>
@@ -17707,7 +17891,6 @@
               <a:rPr spc="45" dirty="0"/>
               <a:t>Binding</a:t>
             </a:r>
-            <a:endParaRPr spc="45" dirty="0"/>
           </a:p>
         </p:txBody>
       </p:sp>
@@ -18009,7 +18192,9 @@
         <p:txBody>
           <a:bodyPr wrap="square" lIns="0" tIns="0" rIns="0" bIns="0" rtlCol="0"/>
           <a:lstStyle/>
-          <a:p/>
+          <a:p>
+            <a:endParaRPr/>
+          </a:p>
         </p:txBody>
       </p:sp>
       <p:sp>
@@ -18203,7 +18388,9 @@
         <p:txBody>
           <a:bodyPr wrap="square" lIns="0" tIns="0" rIns="0" bIns="0" rtlCol="0"/>
           <a:lstStyle/>
-          <a:p/>
+          <a:p>
+            <a:endParaRPr/>
+          </a:p>
         </p:txBody>
       </p:sp>
       <p:sp>
@@ -18444,7 +18631,9 @@
         <p:txBody>
           <a:bodyPr wrap="square" lIns="0" tIns="0" rIns="0" bIns="0" rtlCol="0"/>
           <a:lstStyle/>
-          <a:p/>
+          <a:p>
+            <a:endParaRPr/>
+          </a:p>
         </p:txBody>
       </p:sp>
       <p:sp>
@@ -18742,7 +18931,9 @@
         <p:txBody>
           <a:bodyPr wrap="square" lIns="0" tIns="0" rIns="0" bIns="0" rtlCol="0"/>
           <a:lstStyle/>
-          <a:p/>
+          <a:p>
+            <a:endParaRPr/>
+          </a:p>
         </p:txBody>
       </p:sp>
       <p:sp>
@@ -18874,9 +19065,11 @@
         <p:spPr/>
         <p:txBody>
           <a:bodyPr/>
+          <a:lstStyle/>
           <a:p>
             <a:fld id="{B6F15528-21DE-4FAA-801E-634DDDAF4B2B}" type="slidenum">
               <a:rPr/>
+              <a:t>20</a:t>
             </a:fld>
             <a:endParaRPr/>
           </a:p>
@@ -18966,7 +19159,9 @@
           <p:txBody>
             <a:bodyPr wrap="square" lIns="0" tIns="0" rIns="0" bIns="0" rtlCol="0"/>
             <a:lstStyle/>
-            <a:p/>
+            <a:p>
+              <a:endParaRPr/>
+            </a:p>
           </p:txBody>
         </p:sp>
         <p:sp>
@@ -19014,7 +19209,9 @@
           <p:txBody>
             <a:bodyPr wrap="square" lIns="0" tIns="0" rIns="0" bIns="0" rtlCol="0"/>
             <a:lstStyle/>
-            <a:p/>
+            <a:p>
+              <a:endParaRPr/>
+            </a:p>
           </p:txBody>
         </p:sp>
         <p:sp>
@@ -19064,7 +19261,9 @@
           <p:txBody>
             <a:bodyPr wrap="square" lIns="0" tIns="0" rIns="0" bIns="0" rtlCol="0"/>
             <a:lstStyle/>
-            <a:p/>
+            <a:p>
+              <a:endParaRPr/>
+            </a:p>
           </p:txBody>
         </p:sp>
         <p:pic>
@@ -19074,7 +19273,7 @@
             <p:nvPr/>
           </p:nvPicPr>
           <p:blipFill>
-            <a:blip r:embed="rId1" cstate="print"/>
+            <a:blip r:embed="rId2" cstate="print"/>
             <a:stretch>
               <a:fillRect/>
             </a:stretch>
@@ -19655,7 +19854,9 @@
         <p:txBody>
           <a:bodyPr wrap="square" lIns="0" tIns="0" rIns="0" bIns="0" rtlCol="0"/>
           <a:lstStyle/>
-          <a:p/>
+          <a:p>
+            <a:endParaRPr/>
+          </a:p>
         </p:txBody>
       </p:sp>
       <p:sp>
@@ -19926,9 +20127,11 @@
         <p:spPr/>
         <p:txBody>
           <a:bodyPr/>
+          <a:lstStyle/>
           <a:p>
             <a:fld id="{B6F15528-21DE-4FAA-801E-634DDDAF4B2B}" type="slidenum">
               <a:rPr/>
+              <a:t>21</a:t>
             </a:fld>
             <a:endParaRPr/>
           </a:p>
@@ -20018,7 +20221,9 @@
           <p:txBody>
             <a:bodyPr wrap="square" lIns="0" tIns="0" rIns="0" bIns="0" rtlCol="0"/>
             <a:lstStyle/>
-            <a:p/>
+            <a:p>
+              <a:endParaRPr/>
+            </a:p>
           </p:txBody>
         </p:sp>
         <p:sp>
@@ -20066,7 +20271,9 @@
           <p:txBody>
             <a:bodyPr wrap="square" lIns="0" tIns="0" rIns="0" bIns="0" rtlCol="0"/>
             <a:lstStyle/>
-            <a:p/>
+            <a:p>
+              <a:endParaRPr/>
+            </a:p>
           </p:txBody>
         </p:sp>
         <p:sp>
@@ -20116,7 +20323,9 @@
           <p:txBody>
             <a:bodyPr wrap="square" lIns="0" tIns="0" rIns="0" bIns="0" rtlCol="0"/>
             <a:lstStyle/>
-            <a:p/>
+            <a:p>
+              <a:endParaRPr/>
+            </a:p>
           </p:txBody>
         </p:sp>
         <p:pic>
@@ -20126,7 +20335,7 @@
             <p:nvPr/>
           </p:nvPicPr>
           <p:blipFill>
-            <a:blip r:embed="rId1" cstate="print"/>
+            <a:blip r:embed="rId2" cstate="print"/>
             <a:stretch>
               <a:fillRect/>
             </a:stretch>
@@ -20301,7 +20510,6 @@
               <a:rPr spc="465" dirty="0"/>
               <a:t>|</a:t>
             </a:r>
-            <a:endParaRPr spc="465" dirty="0"/>
           </a:p>
           <a:p>
             <a:pPr marL="3203575">
@@ -20324,7 +20532,6 @@
               <a:rPr spc="-5" dirty="0"/>
               <a:t>name</a:t>
             </a:r>
-            <a:endParaRPr spc="-5" dirty="0"/>
           </a:p>
           <a:p>
             <a:pPr marL="3203575">
@@ -20347,7 +20554,6 @@
               <a:rPr spc="-10" dirty="0"/>
               <a:t>parameters</a:t>
             </a:r>
-            <a:endParaRPr spc="-10" dirty="0"/>
           </a:p>
           <a:p>
             <a:pPr marL="3555365">
@@ -20403,7 +20609,6 @@
               <a:rPr spc="-50" dirty="0"/>
               <a:t>Example</a:t>
             </a:r>
-            <a:endParaRPr spc="-50" dirty="0"/>
           </a:p>
           <a:p>
             <a:pPr marL="3555365">
@@ -20497,9 +20702,11 @@
         <p:spPr/>
         <p:txBody>
           <a:bodyPr/>
+          <a:lstStyle/>
           <a:p>
             <a:fld id="{B6F15528-21DE-4FAA-801E-634DDDAF4B2B}" type="slidenum">
               <a:rPr/>
+              <a:t>22</a:t>
             </a:fld>
             <a:endParaRPr/>
           </a:p>
@@ -20571,7 +20778,6 @@
               <a:rPr spc="110" dirty="0"/>
               <a:t>Architecture</a:t>
             </a:r>
-            <a:endParaRPr spc="110" dirty="0"/>
           </a:p>
         </p:txBody>
       </p:sp>
@@ -20694,7 +20900,9 @@
           <p:txBody>
             <a:bodyPr wrap="square" lIns="0" tIns="0" rIns="0" bIns="0" rtlCol="0"/>
             <a:lstStyle/>
-            <a:p/>
+            <a:p>
+              <a:endParaRPr/>
+            </a:p>
           </p:txBody>
         </p:sp>
         <p:sp>
@@ -20799,7 +21007,9 @@
           <p:txBody>
             <a:bodyPr wrap="square" lIns="0" tIns="0" rIns="0" bIns="0" rtlCol="0"/>
             <a:lstStyle/>
-            <a:p/>
+            <a:p>
+              <a:endParaRPr/>
+            </a:p>
           </p:txBody>
         </p:sp>
       </p:grpSp>
@@ -20905,7 +21115,9 @@
         <p:txBody>
           <a:bodyPr wrap="square" lIns="0" tIns="0" rIns="0" bIns="0" rtlCol="0"/>
           <a:lstStyle/>
-          <a:p/>
+          <a:p>
+            <a:endParaRPr/>
+          </a:p>
         </p:txBody>
       </p:sp>
       <p:sp>
@@ -20992,7 +21204,9 @@
         <p:txBody>
           <a:bodyPr wrap="square" lIns="0" tIns="0" rIns="0" bIns="0" rtlCol="0"/>
           <a:lstStyle/>
-          <a:p/>
+          <a:p>
+            <a:endParaRPr/>
+          </a:p>
         </p:txBody>
       </p:sp>
       <p:sp>
@@ -21082,7 +21296,9 @@
         <p:txBody>
           <a:bodyPr wrap="square" lIns="0" tIns="0" rIns="0" bIns="0" rtlCol="0"/>
           <a:lstStyle/>
-          <a:p/>
+          <a:p>
+            <a:endParaRPr/>
+          </a:p>
         </p:txBody>
       </p:sp>
       <p:sp>
@@ -21806,9 +22022,11 @@
         <p:spPr/>
         <p:txBody>
           <a:bodyPr/>
+          <a:lstStyle/>
           <a:p>
             <a:fld id="{B6F15528-21DE-4FAA-801E-634DDDAF4B2B}" type="slidenum">
               <a:rPr/>
+              <a:t>23</a:t>
             </a:fld>
             <a:endParaRPr/>
           </a:p>
@@ -22013,7 +22231,7 @@
             <p:nvPr/>
           </p:nvPicPr>
           <p:blipFill>
-            <a:blip r:embed="rId1" cstate="print"/>
+            <a:blip r:embed="rId2" cstate="print"/>
             <a:stretch>
               <a:fillRect/>
             </a:stretch>
@@ -22073,7 +22291,9 @@
           <p:txBody>
             <a:bodyPr wrap="square" lIns="0" tIns="0" rIns="0" bIns="0" rtlCol="0"/>
             <a:lstStyle/>
-            <a:p/>
+            <a:p>
+              <a:endParaRPr/>
+            </a:p>
           </p:txBody>
         </p:sp>
       </p:grpSp>
@@ -22090,9 +22310,11 @@
         <p:spPr/>
         <p:txBody>
           <a:bodyPr/>
+          <a:lstStyle/>
           <a:p>
             <a:fld id="{B6F15528-21DE-4FAA-801E-634DDDAF4B2B}" type="slidenum">
               <a:rPr/>
+              <a:t>24</a:t>
             </a:fld>
             <a:endParaRPr/>
           </a:p>
@@ -22512,9 +22734,11 @@
         <p:spPr/>
         <p:txBody>
           <a:bodyPr/>
+          <a:lstStyle/>
           <a:p>
             <a:fld id="{B6F15528-21DE-4FAA-801E-634DDDAF4B2B}" type="slidenum">
               <a:rPr/>
+              <a:t>3</a:t>
             </a:fld>
             <a:endParaRPr/>
           </a:p>
@@ -22586,7 +22810,6 @@
               <a:rPr spc="110" dirty="0"/>
               <a:t>Architecture</a:t>
             </a:r>
-            <a:endParaRPr spc="110" dirty="0"/>
           </a:p>
         </p:txBody>
       </p:sp>
@@ -22709,7 +22932,9 @@
           <p:txBody>
             <a:bodyPr wrap="square" lIns="0" tIns="0" rIns="0" bIns="0" rtlCol="0"/>
             <a:lstStyle/>
-            <a:p/>
+            <a:p>
+              <a:endParaRPr/>
+            </a:p>
           </p:txBody>
         </p:sp>
         <p:sp>
@@ -22814,7 +23039,9 @@
           <p:txBody>
             <a:bodyPr wrap="square" lIns="0" tIns="0" rIns="0" bIns="0" rtlCol="0"/>
             <a:lstStyle/>
-            <a:p/>
+            <a:p>
+              <a:endParaRPr/>
+            </a:p>
           </p:txBody>
         </p:sp>
       </p:grpSp>
@@ -22920,7 +23147,9 @@
         <p:txBody>
           <a:bodyPr wrap="square" lIns="0" tIns="0" rIns="0" bIns="0" rtlCol="0"/>
           <a:lstStyle/>
-          <a:p/>
+          <a:p>
+            <a:endParaRPr/>
+          </a:p>
         </p:txBody>
       </p:sp>
       <p:sp>
@@ -23007,7 +23236,9 @@
         <p:txBody>
           <a:bodyPr wrap="square" lIns="0" tIns="0" rIns="0" bIns="0" rtlCol="0"/>
           <a:lstStyle/>
-          <a:p/>
+          <a:p>
+            <a:endParaRPr/>
+          </a:p>
         </p:txBody>
       </p:sp>
       <p:sp>
@@ -23097,7 +23328,9 @@
         <p:txBody>
           <a:bodyPr wrap="square" lIns="0" tIns="0" rIns="0" bIns="0" rtlCol="0"/>
           <a:lstStyle/>
-          <a:p/>
+          <a:p>
+            <a:endParaRPr/>
+          </a:p>
         </p:txBody>
       </p:sp>
       <p:sp>
@@ -23365,7 +23598,7 @@
               </a:rPr>
               <a:t>Component</a:t>
             </a:r>
-            <a:endParaRPr sz="3600">
+            <a:endParaRPr sz="3600" dirty="0">
               <a:latin typeface="Arial" panose="020B0604020202020204"/>
               <a:cs typeface="Arial" panose="020B0604020202020204"/>
             </a:endParaRPr>
@@ -23821,9 +24054,11 @@
         <p:spPr/>
         <p:txBody>
           <a:bodyPr/>
+          <a:lstStyle/>
           <a:p>
             <a:fld id="{B6F15528-21DE-4FAA-801E-634DDDAF4B2B}" type="slidenum">
               <a:rPr/>
+              <a:t>4</a:t>
             </a:fld>
             <a:endParaRPr/>
           </a:p>
@@ -23899,7 +24134,6 @@
               <a:rPr spc="45" dirty="0"/>
               <a:t>Binding</a:t>
             </a:r>
-            <a:endParaRPr spc="45" dirty="0"/>
           </a:p>
         </p:txBody>
       </p:sp>
@@ -24049,7 +24283,9 @@
           <p:txBody>
             <a:bodyPr wrap="square" lIns="0" tIns="0" rIns="0" bIns="0" rtlCol="0"/>
             <a:lstStyle/>
-            <a:p/>
+            <a:p>
+              <a:endParaRPr/>
+            </a:p>
           </p:txBody>
         </p:sp>
         <p:sp>
@@ -24192,7 +24428,9 @@
           <p:txBody>
             <a:bodyPr wrap="square" lIns="0" tIns="0" rIns="0" bIns="0" rtlCol="0"/>
             <a:lstStyle/>
-            <a:p/>
+            <a:p>
+              <a:endParaRPr/>
+            </a:p>
           </p:txBody>
         </p:sp>
       </p:grpSp>
@@ -24408,7 +24646,9 @@
           <p:txBody>
             <a:bodyPr wrap="square" lIns="0" tIns="0" rIns="0" bIns="0" rtlCol="0"/>
             <a:lstStyle/>
-            <a:p/>
+            <a:p>
+              <a:endParaRPr/>
+            </a:p>
           </p:txBody>
         </p:sp>
         <p:sp>
@@ -24551,7 +24791,9 @@
           <p:txBody>
             <a:bodyPr wrap="square" lIns="0" tIns="0" rIns="0" bIns="0" rtlCol="0"/>
             <a:lstStyle/>
-            <a:p/>
+            <a:p>
+              <a:endParaRPr/>
+            </a:p>
           </p:txBody>
         </p:sp>
       </p:grpSp>
@@ -24960,7 +25202,7 @@
                 </a:solidFill>
                 <a:latin typeface="Courier New" panose="02070309020205020404"/>
                 <a:cs typeface="Courier New" panose="02070309020205020404"/>
-                <a:hlinkClick r:id="rId1"/>
+                <a:hlinkClick r:id="rId2"/>
               </a:rPr>
               <a:t>http://myImages.org/</a:t>
             </a:r>
@@ -25004,9 +25246,11 @@
         <p:spPr/>
         <p:txBody>
           <a:bodyPr/>
+          <a:lstStyle/>
           <a:p>
             <a:fld id="{B6F15528-21DE-4FAA-801E-634DDDAF4B2B}" type="slidenum">
               <a:rPr/>
+              <a:t>5</a:t>
             </a:fld>
             <a:endParaRPr/>
           </a:p>
@@ -25082,7 +25326,6 @@
               <a:rPr spc="45" dirty="0"/>
               <a:t>Binding</a:t>
             </a:r>
-            <a:endParaRPr spc="45" dirty="0"/>
           </a:p>
         </p:txBody>
       </p:sp>
@@ -26094,9 +26337,11 @@
         <p:spPr/>
         <p:txBody>
           <a:bodyPr/>
+          <a:lstStyle/>
           <a:p>
             <a:fld id="{B6F15528-21DE-4FAA-801E-634DDDAF4B2B}" type="slidenum">
               <a:rPr/>
+              <a:t>6</a:t>
             </a:fld>
             <a:endParaRPr/>
           </a:p>
@@ -26172,7 +26417,6 @@
               <a:rPr spc="40" dirty="0"/>
               <a:t>Binding</a:t>
             </a:r>
-            <a:endParaRPr spc="40" dirty="0"/>
           </a:p>
         </p:txBody>
       </p:sp>
@@ -26887,7 +27131,9 @@
         <p:txBody>
           <a:bodyPr wrap="square" lIns="0" tIns="0" rIns="0" bIns="0" rtlCol="0"/>
           <a:lstStyle/>
-          <a:p/>
+          <a:p>
+            <a:endParaRPr/>
+          </a:p>
         </p:txBody>
       </p:sp>
       <p:grpSp>
@@ -27084,7 +27330,9 @@
           <p:txBody>
             <a:bodyPr wrap="square" lIns="0" tIns="0" rIns="0" bIns="0" rtlCol="0"/>
             <a:lstStyle/>
-            <a:p/>
+            <a:p>
+              <a:endParaRPr/>
+            </a:p>
           </p:txBody>
         </p:sp>
         <p:sp>
@@ -27275,7 +27523,9 @@
           <p:txBody>
             <a:bodyPr wrap="square" lIns="0" tIns="0" rIns="0" bIns="0" rtlCol="0"/>
             <a:lstStyle/>
-            <a:p/>
+            <a:p>
+              <a:endParaRPr/>
+            </a:p>
           </p:txBody>
         </p:sp>
       </p:grpSp>
@@ -27539,7 +27789,9 @@
           <p:txBody>
             <a:bodyPr wrap="square" lIns="0" tIns="0" rIns="0" bIns="0" rtlCol="0"/>
             <a:lstStyle/>
-            <a:p/>
+            <a:p>
+              <a:endParaRPr/>
+            </a:p>
           </p:txBody>
         </p:sp>
         <p:sp>
@@ -27730,7 +27982,9 @@
           <p:txBody>
             <a:bodyPr wrap="square" lIns="0" tIns="0" rIns="0" bIns="0" rtlCol="0"/>
             <a:lstStyle/>
-            <a:p/>
+            <a:p>
+              <a:endParaRPr/>
+            </a:p>
           </p:txBody>
         </p:sp>
       </p:grpSp>
@@ -27843,9 +28097,11 @@
         <p:spPr/>
         <p:txBody>
           <a:bodyPr/>
+          <a:lstStyle/>
           <a:p>
             <a:fld id="{B6F15528-21DE-4FAA-801E-634DDDAF4B2B}" type="slidenum">
               <a:rPr/>
+              <a:t>7</a:t>
             </a:fld>
             <a:endParaRPr/>
           </a:p>
@@ -27921,7 +28177,6 @@
               <a:rPr spc="100" dirty="0"/>
               <a:t>Detection</a:t>
             </a:r>
-            <a:endParaRPr spc="100" dirty="0"/>
           </a:p>
         </p:txBody>
       </p:sp>
@@ -27946,7 +28201,7 @@
             <p:nvPr/>
           </p:nvPicPr>
           <p:blipFill>
-            <a:blip r:embed="rId1" cstate="print"/>
+            <a:blip r:embed="rId2" cstate="print"/>
             <a:stretch>
               <a:fillRect/>
             </a:stretch>
@@ -28008,7 +28263,9 @@
           <p:txBody>
             <a:bodyPr wrap="square" lIns="0" tIns="0" rIns="0" bIns="0" rtlCol="0"/>
             <a:lstStyle/>
-            <a:p/>
+            <a:p>
+              <a:endParaRPr/>
+            </a:p>
           </p:txBody>
         </p:sp>
       </p:grpSp>
@@ -28033,7 +28290,7 @@
             <p:nvPr/>
           </p:nvPicPr>
           <p:blipFill>
-            <a:blip r:embed="rId2" cstate="print"/>
+            <a:blip r:embed="rId3" cstate="print"/>
             <a:stretch>
               <a:fillRect/>
             </a:stretch>
@@ -28095,7 +28352,9 @@
           <p:txBody>
             <a:bodyPr wrap="square" lIns="0" tIns="0" rIns="0" bIns="0" rtlCol="0"/>
             <a:lstStyle/>
-            <a:p/>
+            <a:p>
+              <a:endParaRPr/>
+            </a:p>
           </p:txBody>
         </p:sp>
       </p:grpSp>
@@ -28120,7 +28379,7 @@
             <p:nvPr/>
           </p:nvPicPr>
           <p:blipFill>
-            <a:blip r:embed="rId3" cstate="print"/>
+            <a:blip r:embed="rId4" cstate="print"/>
             <a:stretch>
               <a:fillRect/>
             </a:stretch>
@@ -28182,7 +28441,9 @@
           <p:txBody>
             <a:bodyPr wrap="square" lIns="0" tIns="0" rIns="0" bIns="0" rtlCol="0"/>
             <a:lstStyle/>
-            <a:p/>
+            <a:p>
+              <a:endParaRPr/>
+            </a:p>
           </p:txBody>
         </p:sp>
       </p:grpSp>
@@ -28207,7 +28468,7 @@
             <p:nvPr/>
           </p:nvPicPr>
           <p:blipFill>
-            <a:blip r:embed="rId4" cstate="print"/>
+            <a:blip r:embed="rId5" cstate="print"/>
             <a:stretch>
               <a:fillRect/>
             </a:stretch>
@@ -28269,7 +28530,9 @@
           <p:txBody>
             <a:bodyPr wrap="square" lIns="0" tIns="0" rIns="0" bIns="0" rtlCol="0"/>
             <a:lstStyle/>
-            <a:p/>
+            <a:p>
+              <a:endParaRPr/>
+            </a:p>
           </p:txBody>
         </p:sp>
       </p:grpSp>
@@ -28294,7 +28557,7 @@
             <p:nvPr/>
           </p:nvPicPr>
           <p:blipFill>
-            <a:blip r:embed="rId5" cstate="print"/>
+            <a:blip r:embed="rId6" cstate="print"/>
             <a:stretch>
               <a:fillRect/>
             </a:stretch>
@@ -28356,7 +28619,9 @@
           <p:txBody>
             <a:bodyPr wrap="square" lIns="0" tIns="0" rIns="0" bIns="0" rtlCol="0"/>
             <a:lstStyle/>
-            <a:p/>
+            <a:p>
+              <a:endParaRPr/>
+            </a:p>
           </p:txBody>
         </p:sp>
       </p:grpSp>
@@ -28373,9 +28638,11 @@
         <p:spPr/>
         <p:txBody>
           <a:bodyPr/>
+          <a:lstStyle/>
           <a:p>
             <a:fld id="{B6F15528-21DE-4FAA-801E-634DDDAF4B2B}" type="slidenum">
               <a:rPr/>
+              <a:t>8</a:t>
             </a:fld>
             <a:endParaRPr/>
           </a:p>
@@ -28447,7 +28714,6 @@
               <a:rPr spc="40" dirty="0"/>
               <a:t>Binding</a:t>
             </a:r>
-            <a:endParaRPr spc="40" dirty="0"/>
           </a:p>
         </p:txBody>
       </p:sp>
@@ -28603,24 +28869,6 @@
               <a:latin typeface="Courier New" panose="02070309020205020404"/>
               <a:cs typeface="Courier New" panose="02070309020205020404"/>
             </a:endParaRPr>
-          </a:p>
-        </p:txBody>
-      </p:sp>
-      <p:sp>
-        <p:nvSpPr>
-          <p:cNvPr id="17" name="Content Placeholder 16"/>
-          <p:cNvSpPr>
-            <a:spLocks noGrp="1"/>
-          </p:cNvSpPr>
-          <p:nvPr>
-            <p:ph sz="half" idx="3"/>
-          </p:nvPr>
-        </p:nvSpPr>
-        <p:spPr/>
-        <p:txBody>
-          <a:bodyPr/>
-          <a:p>
-            <a:endParaRPr lang="en-US"/>
           </a:p>
         </p:txBody>
       </p:sp>
@@ -28753,7 +29001,7 @@
             <p:nvPr/>
           </p:nvPicPr>
           <p:blipFill>
-            <a:blip r:embed="rId1" cstate="print"/>
+            <a:blip r:embed="rId2" cstate="print"/>
             <a:stretch>
               <a:fillRect/>
             </a:stretch>
@@ -28775,7 +29023,7 @@
             <p:nvPr/>
           </p:nvPicPr>
           <p:blipFill>
-            <a:blip r:embed="rId2" cstate="print"/>
+            <a:blip r:embed="rId3" cstate="print"/>
             <a:stretch>
               <a:fillRect/>
             </a:stretch>
@@ -28837,7 +29085,9 @@
           <p:txBody>
             <a:bodyPr wrap="square" lIns="0" tIns="0" rIns="0" bIns="0" rtlCol="0"/>
             <a:lstStyle/>
-            <a:p/>
+            <a:p>
+              <a:endParaRPr/>
+            </a:p>
           </p:txBody>
         </p:sp>
       </p:grpSp>
@@ -28862,7 +29112,7 @@
             <p:nvPr/>
           </p:nvPicPr>
           <p:blipFill>
-            <a:blip r:embed="rId3" cstate="print"/>
+            <a:blip r:embed="rId4" cstate="print"/>
             <a:stretch>
               <a:fillRect/>
             </a:stretch>
@@ -28924,7 +29174,9 @@
           <p:txBody>
             <a:bodyPr wrap="square" lIns="0" tIns="0" rIns="0" bIns="0" rtlCol="0"/>
             <a:lstStyle/>
-            <a:p/>
+            <a:p>
+              <a:endParaRPr/>
+            </a:p>
           </p:txBody>
         </p:sp>
       </p:grpSp>
@@ -29243,9 +29495,11 @@
         <p:spPr/>
         <p:txBody>
           <a:bodyPr/>
+          <a:lstStyle/>
           <a:p>
             <a:fld id="{B6F15528-21DE-4FAA-801E-634DDDAF4B2B}" type="slidenum">
               <a:rPr/>
+              <a:t>9</a:t>
             </a:fld>
             <a:endParaRPr/>
           </a:p>
@@ -29537,6 +29791,8 @@
       </a:bgFillStyleLst>
     </a:fmtScheme>
   </a:themeElements>
+  <a:objectDefaults/>
+  <a:extraClrSchemeLst/>
   <a:extLst>
     <a:ext uri="{05A4C25C-085E-4340-85A3-A5531E510DB2}">
       <thm15:themeFamily xmlns:thm15="http://schemas.microsoft.com/office/thememl/2012/main" name="Office Theme" id="{62F939B6-93AF-4DB8-9C6B-D6C7DFDC589F}" vid="{4A3C46E8-61CC-4603-A589-7422A47A8E4A}"/>
@@ -29796,6 +30052,8 @@
       </a:bgFillStyleLst>
     </a:fmtScheme>
   </a:themeElements>
+  <a:objectDefaults/>
+  <a:extraClrSchemeLst/>
   <a:extLst>
     <a:ext uri="{05A4C25C-085E-4340-85A3-A5531E510DB2}">
       <thm15:themeFamily xmlns:thm15="http://schemas.microsoft.com/office/thememl/2012/main" name="Office Theme" id="{62F939B6-93AF-4DB8-9C6B-D6C7DFDC589F}" vid="{4A3C46E8-61CC-4603-A589-7422A47A8E4A}"/>
